--- a/ClassMaterials/SimpleObjects/Slides/Part3-Statics.pptx
+++ b/ClassMaterials/SimpleObjects/Slides/Part3-Statics.pptx
@@ -5,7 +5,7 @@
     <p:sldMasterId id="2147483661" r:id="rId4"/>
   </p:sldMasterIdLst>
   <p:notesMasterIdLst>
-    <p:notesMasterId r:id="rId17"/>
+    <p:notesMasterId r:id="rId18"/>
   </p:notesMasterIdLst>
   <p:sldIdLst>
     <p:sldId id="256" r:id="rId5"/>
@@ -19,7 +19,8 @@
     <p:sldId id="271" r:id="rId13"/>
     <p:sldId id="275" r:id="rId14"/>
     <p:sldId id="276" r:id="rId15"/>
-    <p:sldId id="272" r:id="rId16"/>
+    <p:sldId id="393" r:id="rId16"/>
+    <p:sldId id="272" r:id="rId17"/>
   </p:sldIdLst>
   <p:sldSz cx="9144000" cy="6858000" type="screen4x3"/>
   <p:notesSz cx="7315200" cy="9601200"/>
@@ -636,7 +637,7 @@
                 </a:uFill>
                 <a:latin typeface="Arial"/>
               </a:rPr>
-              <a:t>Look at schedule, EXAM week from today! Written part Wednesday, programming part Friday</a:t>
+              <a:t>Look at schedule, EXAM soon! Non-coding/Written part first, programming part second.</a:t>
             </a:r>
           </a:p>
           <a:p>
@@ -1234,6 +1235,125 @@
       </p:grpSpPr>
       <p:sp>
         <p:nvSpPr>
+          <p:cNvPr id="2" name="Slide Image Placeholder 1"/>
+          <p:cNvSpPr>
+            <a:spLocks noGrp="1" noRot="1" noChangeAspect="1"/>
+          </p:cNvSpPr>
+          <p:nvPr>
+            <p:ph type="sldImg"/>
+          </p:nvPr>
+        </p:nvSpPr>
+        <p:spPr>
+          <a:xfrm>
+            <a:off x="1497013" y="1200150"/>
+            <a:ext cx="4321175" cy="3240088"/>
+          </a:xfrm>
+          <a:prstGeom prst="rect">
+            <a:avLst/>
+          </a:prstGeom>
+          <a:noFill/>
+          <a:ln w="12700">
+            <a:solidFill>
+              <a:prstClr val="black"/>
+            </a:solidFill>
+          </a:ln>
+        </p:spPr>
+      </p:sp>
+      <p:sp>
+        <p:nvSpPr>
+          <p:cNvPr id="3" name="Notes Placeholder 2"/>
+          <p:cNvSpPr>
+            <a:spLocks noGrp="1"/>
+          </p:cNvSpPr>
+          <p:nvPr>
+            <p:ph type="body" idx="1"/>
+          </p:nvPr>
+        </p:nvSpPr>
+        <p:spPr/>
+        <p:txBody>
+          <a:bodyPr/>
+          <a:lstStyle/>
+          <a:p>
+            <a:endParaRPr lang="en-US" dirty="0"/>
+          </a:p>
+        </p:txBody>
+      </p:sp>
+      <p:sp>
+        <p:nvSpPr>
+          <p:cNvPr id="4" name="Slide Number Placeholder 3"/>
+          <p:cNvSpPr>
+            <a:spLocks noGrp="1"/>
+          </p:cNvSpPr>
+          <p:nvPr>
+            <p:ph type="sldNum"/>
+          </p:nvPr>
+        </p:nvSpPr>
+        <p:spPr/>
+        <p:txBody>
+          <a:bodyPr/>
+          <a:lstStyle/>
+          <a:p>
+            <a:pPr algn="r"/>
+            <a:fld id="{18E27A71-88A0-42AC-8446-7577892AB166}" type="slidenum">
+              <a:rPr lang="en-US" sz="1400" b="0" strike="noStrike" spc="-1" smtClean="0">
+                <a:solidFill>
+                  <a:srgbClr val="000000"/>
+                </a:solidFill>
+                <a:uFill>
+                  <a:solidFill>
+                    <a:srgbClr val="FFFFFF"/>
+                  </a:solidFill>
+                </a:uFill>
+                <a:latin typeface="Times New Roman"/>
+              </a:rPr>
+              <a:t>12</a:t>
+            </a:fld>
+            <a:endParaRPr lang="en-US" sz="1400" b="0" strike="noStrike" spc="-1">
+              <a:solidFill>
+                <a:srgbClr val="000000"/>
+              </a:solidFill>
+              <a:uFill>
+                <a:solidFill>
+                  <a:srgbClr val="FFFFFF"/>
+                </a:solidFill>
+              </a:uFill>
+              <a:latin typeface="Times New Roman"/>
+            </a:endParaRPr>
+          </a:p>
+        </p:txBody>
+      </p:sp>
+    </p:spTree>
+    <p:extLst>
+      <p:ext uri="{BB962C8B-B14F-4D97-AF65-F5344CB8AC3E}">
+        <p14:creationId xmlns:p14="http://schemas.microsoft.com/office/powerpoint/2010/main" val="843202264"/>
+      </p:ext>
+    </p:extLst>
+  </p:cSld>
+  <p:clrMapOvr>
+    <a:masterClrMapping/>
+  </p:clrMapOvr>
+</p:notes>
+</file>
+
+<file path=ppt/notesSlides/notesSlide7.xml><?xml version="1.0" encoding="utf-8"?>
+<p:notes xmlns:a="http://schemas.openxmlformats.org/drawingml/2006/main" xmlns:r="http://schemas.openxmlformats.org/officeDocument/2006/relationships" xmlns:p="http://schemas.openxmlformats.org/presentationml/2006/main">
+  <p:cSld>
+    <p:spTree>
+      <p:nvGrpSpPr>
+        <p:cNvPr id="1" name=""/>
+        <p:cNvGrpSpPr/>
+        <p:nvPr/>
+      </p:nvGrpSpPr>
+      <p:grpSpPr>
+        <a:xfrm>
+          <a:off x="0" y="0"/>
+          <a:ext cx="0" cy="0"/>
+          <a:chOff x="0" y="0"/>
+          <a:chExt cx="0" cy="0"/>
+        </a:xfrm>
+      </p:grpSpPr>
+      <p:sp>
+        <p:nvSpPr>
           <p:cNvPr id="248" name="PlaceHolder 1"/>
           <p:cNvSpPr>
             <a:spLocks noGrp="1"/>
@@ -1310,7 +1430,7 @@
                 <a:latin typeface="Calibri"/>
                 <a:ea typeface="+mn-ea"/>
               </a:rPr>
-              <a:t>12</a:t>
+              <a:t>13</a:t>
             </a:fld>
             <a:endParaRPr lang="en-US" sz="1400" b="0" strike="noStrike" spc="-1">
               <a:solidFill>
@@ -2077,7 +2197,7 @@
               <a:pPr>
                 <a:defRPr/>
               </a:pPr>
-              <a:t>Tuesday, November 22, 2022</a:t>
+              <a:t>Sunday, December 4, 2022</a:t>
             </a:fld>
             <a:endParaRPr lang="en-US" dirty="0"/>
           </a:p>
@@ -2260,7 +2380,7 @@
               <a:pPr>
                 <a:defRPr/>
               </a:pPr>
-              <a:t>Tuesday, November 22, 2022</a:t>
+              <a:t>Sunday, December 4, 2022</a:t>
             </a:fld>
             <a:endParaRPr lang="en-US" dirty="0"/>
           </a:p>
@@ -4628,6 +4748,293 @@
       </p:grpSpPr>
       <p:sp>
         <p:nvSpPr>
+          <p:cNvPr id="2" name="Title 1">
+            <a:extLst>
+              <a:ext uri="{FF2B5EF4-FFF2-40B4-BE49-F238E27FC236}">
+                <a16:creationId xmlns:a16="http://schemas.microsoft.com/office/drawing/2014/main" id="{C4EA1488-BD03-CBF6-BE7F-9D78DEE54921}"/>
+              </a:ext>
+            </a:extLst>
+          </p:cNvPr>
+          <p:cNvSpPr>
+            <a:spLocks noGrp="1"/>
+          </p:cNvSpPr>
+          <p:nvPr>
+            <p:ph type="title"/>
+          </p:nvPr>
+        </p:nvSpPr>
+        <p:spPr/>
+        <p:txBody>
+          <a:bodyPr/>
+          <a:lstStyle/>
+          <a:p>
+            <a:r>
+              <a:rPr lang="en-US" dirty="0"/>
+              <a:t>Static vs. Instance Variables</a:t>
+            </a:r>
+          </a:p>
+        </p:txBody>
+      </p:sp>
+      <p:pic>
+        <p:nvPicPr>
+          <p:cNvPr id="5" name="Picture 4">
+            <a:extLst>
+              <a:ext uri="{FF2B5EF4-FFF2-40B4-BE49-F238E27FC236}">
+                <a16:creationId xmlns:a16="http://schemas.microsoft.com/office/drawing/2014/main" id="{F11D0DE4-EAC3-1724-02C2-98B105FA20A5}"/>
+              </a:ext>
+            </a:extLst>
+          </p:cNvPr>
+          <p:cNvPicPr>
+            <a:picLocks noChangeAspect="1"/>
+          </p:cNvPicPr>
+          <p:nvPr/>
+        </p:nvPicPr>
+        <p:blipFill>
+          <a:blip r:embed="rId3"/>
+          <a:stretch>
+            <a:fillRect/>
+          </a:stretch>
+        </p:blipFill>
+        <p:spPr>
+          <a:xfrm>
+            <a:off x="790534" y="1572677"/>
+            <a:ext cx="6670524" cy="1856323"/>
+          </a:xfrm>
+          <a:prstGeom prst="rect">
+            <a:avLst/>
+          </a:prstGeom>
+        </p:spPr>
+      </p:pic>
+      <p:sp>
+        <p:nvSpPr>
+          <p:cNvPr id="8" name="TextBox 7">
+            <a:extLst>
+              <a:ext uri="{FF2B5EF4-FFF2-40B4-BE49-F238E27FC236}">
+                <a16:creationId xmlns:a16="http://schemas.microsoft.com/office/drawing/2014/main" id="{FAF337C7-F0DC-990B-589B-C47F1D199039}"/>
+              </a:ext>
+            </a:extLst>
+          </p:cNvPr>
+          <p:cNvSpPr txBox="1"/>
+          <p:nvPr/>
+        </p:nvSpPr>
+        <p:spPr>
+          <a:xfrm>
+            <a:off x="0" y="3672929"/>
+            <a:ext cx="4346369" cy="2523768"/>
+          </a:xfrm>
+          <a:prstGeom prst="rect">
+            <a:avLst/>
+          </a:prstGeom>
+          <a:noFill/>
+        </p:spPr>
+        <p:txBody>
+          <a:bodyPr wrap="square" rtlCol="0">
+            <a:spAutoFit/>
+          </a:bodyPr>
+          <a:lstStyle/>
+          <a:p>
+            <a:r>
+              <a:rPr lang="en-US" sz="3200" b="1" dirty="0"/>
+              <a:t>Static</a:t>
+            </a:r>
+          </a:p>
+          <a:p>
+            <a:pPr marL="285750" indent="-285750">
+              <a:buFont typeface="Arial" panose="020B0604020202020204" pitchFamily="34" charset="0"/>
+              <a:buChar char="•"/>
+            </a:pPr>
+            <a:r>
+              <a:rPr lang="en-US" dirty="0"/>
+              <a:t>Belongs to the CLASS</a:t>
+            </a:r>
+          </a:p>
+          <a:p>
+            <a:pPr marL="285750" indent="-285750">
+              <a:buFont typeface="Arial" panose="020B0604020202020204" pitchFamily="34" charset="0"/>
+              <a:buChar char="•"/>
+            </a:pPr>
+            <a:r>
+              <a:rPr lang="en-US" dirty="0"/>
+              <a:t>Does NOT require any objects to be created</a:t>
+            </a:r>
+          </a:p>
+          <a:p>
+            <a:pPr marL="285750" indent="-285750">
+              <a:buFont typeface="Arial" panose="020B0604020202020204" pitchFamily="34" charset="0"/>
+              <a:buChar char="•"/>
+            </a:pPr>
+            <a:r>
+              <a:rPr lang="en-US" dirty="0"/>
+              <a:t>NOT related to any </a:t>
+            </a:r>
+            <a:r>
+              <a:rPr lang="en-US" b="1" i="1" dirty="0"/>
+              <a:t>specific</a:t>
+            </a:r>
+            <a:r>
+              <a:rPr lang="en-US" dirty="0"/>
+              <a:t> object</a:t>
+            </a:r>
+          </a:p>
+          <a:p>
+            <a:pPr marL="285750" indent="-285750">
+              <a:buFont typeface="Arial" panose="020B0604020202020204" pitchFamily="34" charset="0"/>
+              <a:buChar char="•"/>
+            </a:pPr>
+            <a:r>
+              <a:rPr lang="en-US" dirty="0"/>
+              <a:t>CANNOT use the keyword </a:t>
+            </a:r>
+            <a:r>
+              <a:rPr lang="en-US" b="1" dirty="0"/>
+              <a:t>this</a:t>
+            </a:r>
+          </a:p>
+          <a:p>
+            <a:pPr marL="285750" indent="-285750">
+              <a:buFont typeface="Arial" panose="020B0604020202020204" pitchFamily="34" charset="0"/>
+              <a:buChar char="•"/>
+            </a:pPr>
+            <a:r>
+              <a:rPr lang="en-US" dirty="0"/>
+              <a:t>The </a:t>
+            </a:r>
+            <a:r>
+              <a:rPr lang="en-US" b="1" dirty="0"/>
+              <a:t>main </a:t>
+            </a:r>
+            <a:r>
+              <a:rPr lang="en-US" dirty="0"/>
+              <a:t>method is static</a:t>
+            </a:r>
+            <a:endParaRPr lang="en-US" b="1" dirty="0"/>
+          </a:p>
+          <a:p>
+            <a:pPr marL="285750" indent="-285750">
+              <a:buFont typeface="Arial" panose="020B0604020202020204" pitchFamily="34" charset="0"/>
+              <a:buChar char="•"/>
+            </a:pPr>
+            <a:endParaRPr lang="en-US" b="1" dirty="0"/>
+          </a:p>
+        </p:txBody>
+      </p:sp>
+      <p:sp>
+        <p:nvSpPr>
+          <p:cNvPr id="9" name="TextBox 8">
+            <a:extLst>
+              <a:ext uri="{FF2B5EF4-FFF2-40B4-BE49-F238E27FC236}">
+                <a16:creationId xmlns:a16="http://schemas.microsoft.com/office/drawing/2014/main" id="{3F578D64-92DD-DD98-B20C-D8503DE341D3}"/>
+              </a:ext>
+            </a:extLst>
+          </p:cNvPr>
+          <p:cNvSpPr txBox="1"/>
+          <p:nvPr/>
+        </p:nvSpPr>
+        <p:spPr>
+          <a:xfrm>
+            <a:off x="4149547" y="3672929"/>
+            <a:ext cx="5094514" cy="2246769"/>
+          </a:xfrm>
+          <a:prstGeom prst="rect">
+            <a:avLst/>
+          </a:prstGeom>
+          <a:noFill/>
+        </p:spPr>
+        <p:txBody>
+          <a:bodyPr wrap="square" rtlCol="0">
+            <a:spAutoFit/>
+          </a:bodyPr>
+          <a:lstStyle/>
+          <a:p>
+            <a:r>
+              <a:rPr lang="en-US" sz="3200" b="1" dirty="0"/>
+              <a:t>Instance</a:t>
+            </a:r>
+          </a:p>
+          <a:p>
+            <a:pPr marL="285750" indent="-285750">
+              <a:buFont typeface="Arial" panose="020B0604020202020204" pitchFamily="34" charset="0"/>
+              <a:buChar char="•"/>
+            </a:pPr>
+            <a:r>
+              <a:rPr lang="en-US" dirty="0"/>
+              <a:t>Belongs to an INSTANCE or specific object</a:t>
+            </a:r>
+          </a:p>
+          <a:p>
+            <a:pPr marL="285750" indent="-285750">
+              <a:buFont typeface="Arial" panose="020B0604020202020204" pitchFamily="34" charset="0"/>
+              <a:buChar char="•"/>
+            </a:pPr>
+            <a:r>
+              <a:rPr lang="en-US" dirty="0"/>
+              <a:t>Requires creating a specific object since it pertains to a specific object</a:t>
+            </a:r>
+          </a:p>
+          <a:p>
+            <a:pPr marL="285750" indent="-285750">
+              <a:buFont typeface="Arial" panose="020B0604020202020204" pitchFamily="34" charset="0"/>
+              <a:buChar char="•"/>
+            </a:pPr>
+            <a:r>
+              <a:rPr lang="en-US" dirty="0"/>
+              <a:t>CAN use the keyword </a:t>
+            </a:r>
+            <a:r>
+              <a:rPr lang="en-US" b="1" dirty="0"/>
+              <a:t>this</a:t>
+            </a:r>
+          </a:p>
+          <a:p>
+            <a:pPr marL="285750" indent="-285750">
+              <a:buFont typeface="Arial" panose="020B0604020202020204" pitchFamily="34" charset="0"/>
+              <a:buChar char="•"/>
+            </a:pPr>
+            <a:r>
+              <a:rPr lang="en-US" dirty="0"/>
+              <a:t>The main method is NOT an instance method</a:t>
+            </a:r>
+          </a:p>
+          <a:p>
+            <a:pPr marL="285750" indent="-285750">
+              <a:buFont typeface="Arial" panose="020B0604020202020204" pitchFamily="34" charset="0"/>
+              <a:buChar char="•"/>
+            </a:pPr>
+            <a:endParaRPr lang="en-US" b="1" dirty="0"/>
+          </a:p>
+        </p:txBody>
+      </p:sp>
+    </p:spTree>
+    <p:extLst>
+      <p:ext uri="{BB962C8B-B14F-4D97-AF65-F5344CB8AC3E}">
+        <p14:creationId xmlns:p14="http://schemas.microsoft.com/office/powerpoint/2010/main" val="3864540994"/>
+      </p:ext>
+    </p:extLst>
+  </p:cSld>
+  <p:clrMapOvr>
+    <a:masterClrMapping/>
+  </p:clrMapOvr>
+</p:sld>
+</file>
+
+<file path=ppt/slides/slide13.xml><?xml version="1.0" encoding="utf-8"?>
+<p:sld xmlns:a="http://schemas.openxmlformats.org/drawingml/2006/main" xmlns:r="http://schemas.openxmlformats.org/officeDocument/2006/relationships" xmlns:p="http://schemas.openxmlformats.org/presentationml/2006/main">
+  <p:cSld>
+    <p:spTree>
+      <p:nvGrpSpPr>
+        <p:cNvPr id="1" name=""/>
+        <p:cNvGrpSpPr/>
+        <p:nvPr/>
+      </p:nvGrpSpPr>
+      <p:grpSpPr>
+        <a:xfrm>
+          <a:off x="0" y="0"/>
+          <a:ext cx="0" cy="0"/>
+          <a:chOff x="0" y="0"/>
+          <a:chExt cx="0" cy="0"/>
+        </a:xfrm>
+      </p:grpSpPr>
+      <p:sp>
+        <p:nvSpPr>
           <p:cNvPr id="228" name="TextShape 1"/>
           <p:cNvSpPr txBox="1"/>
           <p:nvPr/>
@@ -4690,8 +5097,8 @@
         </p:nvSpPr>
         <p:spPr>
           <a:xfrm>
-            <a:off x="457200" y="1600200"/>
-            <a:ext cx="8229240" cy="4525560"/>
+            <a:off x="296883" y="1600200"/>
+            <a:ext cx="8389557" cy="4525560"/>
           </a:xfrm>
           <a:prstGeom prst="rect">
             <a:avLst/>
@@ -4848,34 +5255,7 @@
                 </a:uFill>
                 <a:latin typeface="Calibri"/>
               </a:rPr>
-              <a:t>Fail in front of Instructor or TA</a:t>
-            </a:r>
-            <a:br>
-              <a:rPr lang="en-US" sz="3200" b="0" strike="noStrike" spc="-1" dirty="0">
-                <a:solidFill>
-                  <a:srgbClr val="000000"/>
-                </a:solidFill>
-                <a:uFill>
-                  <a:solidFill>
-                    <a:srgbClr val="FFFFFF"/>
-                  </a:solidFill>
-                </a:uFill>
-                <a:latin typeface="Calibri"/>
-              </a:rPr>
-            </a:br>
-            <a:r>
-              <a:rPr lang="en-US" sz="3200" b="0" strike="noStrike" spc="-1" dirty="0">
-                <a:solidFill>
-                  <a:srgbClr val="000000"/>
-                </a:solidFill>
-                <a:uFill>
-                  <a:solidFill>
-                    <a:srgbClr val="FFFFFF"/>
-                  </a:solidFill>
-                </a:uFill>
-                <a:latin typeface="Calibri"/>
-              </a:rPr>
-              <a:t>Now is the time to fail, not at 23:45 the night it is due</a:t>
+              <a:t>Fail in front of Instructor or TA -&gt; Now is the time to fail, not at 23:45 the night it is due</a:t>
             </a:r>
           </a:p>
         </p:txBody>
@@ -7748,7 +8128,21 @@
           <a:p>
             <a:r>
               <a:rPr lang="en-US" sz="2000" dirty="0"/>
-              <a:t>Static means there's only one instance of a field/method for every instance of a class that's created. So when you change a grade, they all change.</a:t>
+              <a:t>Static means there's </a:t>
+            </a:r>
+            <a:r>
+              <a:rPr lang="en-US" sz="2000" b="1" u="sng" dirty="0"/>
+              <a:t>only one shared copy</a:t>
+            </a:r>
+            <a:r>
+              <a:rPr lang="en-US" sz="2000" dirty="0"/>
+              <a:t> of a field/method for ALL instances of a class that's created. </a:t>
+            </a:r>
+          </a:p>
+          <a:p>
+            <a:r>
+              <a:rPr lang="en-US" sz="2000" dirty="0"/>
+              <a:t>So when you change a grade, they all change.</a:t>
             </a:r>
           </a:p>
         </p:txBody>

--- a/ClassMaterials/SimpleObjects/Slides/Part3-Statics.pptx
+++ b/ClassMaterials/SimpleObjects/Slides/Part3-Statics.pptx
@@ -178,22 +178,6 @@
     </pc:docChg>
   </pc:docChgLst>
   <pc:docChgLst>
-    <pc:chgData name="Kelly, Jack" userId="S::kellyjc@rose-hulman.edu::a4fd8950-19f5-4a20-8ffc-645900257370" providerId="AD" clId="Web-{83FF7817-F08F-4973-9B88-C8C1006ED1BD}"/>
-    <pc:docChg chg="delSld">
-      <pc:chgData name="Kelly, Jack" userId="S::kellyjc@rose-hulman.edu::a4fd8950-19f5-4a20-8ffc-645900257370" providerId="AD" clId="Web-{83FF7817-F08F-4973-9B88-C8C1006ED1BD}" dt="2022-03-22T06:13:37.090" v="0"/>
-      <pc:docMkLst>
-        <pc:docMk/>
-      </pc:docMkLst>
-      <pc:sldChg chg="del">
-        <pc:chgData name="Kelly, Jack" userId="S::kellyjc@rose-hulman.edu::a4fd8950-19f5-4a20-8ffc-645900257370" providerId="AD" clId="Web-{83FF7817-F08F-4973-9B88-C8C1006ED1BD}" dt="2022-03-22T06:13:37.090" v="0"/>
-        <pc:sldMkLst>
-          <pc:docMk/>
-          <pc:sldMk cId="504009426" sldId="279"/>
-        </pc:sldMkLst>
-      </pc:sldChg>
-    </pc:docChg>
-  </pc:docChgLst>
-  <pc:docChgLst>
     <pc:chgData name="Hollingsworth, Joseph" userId="6338ef61-550f-4a52-a8a3-bd9025908f10" providerId="ADAL" clId="{8B56CC65-205A-F549-A661-F26F4F404A63}"/>
     <pc:docChg chg="modSld">
       <pc:chgData name="Hollingsworth, Joseph" userId="6338ef61-550f-4a52-a8a3-bd9025908f10" providerId="ADAL" clId="{8B56CC65-205A-F549-A661-F26F4F404A63}" dt="2022-03-15T12:39:56.529" v="69" actId="20577"/>
@@ -229,6 +213,22 @@
             <ac:spMk id="229" creationId="{00000000-0000-0000-0000-000000000000}"/>
           </ac:spMkLst>
         </pc:spChg>
+      </pc:sldChg>
+    </pc:docChg>
+  </pc:docChgLst>
+  <pc:docChgLst>
+    <pc:chgData name="Kelly, Jack" userId="S::kellyjc@rose-hulman.edu::a4fd8950-19f5-4a20-8ffc-645900257370" providerId="AD" clId="Web-{83FF7817-F08F-4973-9B88-C8C1006ED1BD}"/>
+    <pc:docChg chg="delSld">
+      <pc:chgData name="Kelly, Jack" userId="S::kellyjc@rose-hulman.edu::a4fd8950-19f5-4a20-8ffc-645900257370" providerId="AD" clId="Web-{83FF7817-F08F-4973-9B88-C8C1006ED1BD}" dt="2022-03-22T06:13:37.090" v="0"/>
+      <pc:docMkLst>
+        <pc:docMk/>
+      </pc:docMkLst>
+      <pc:sldChg chg="del">
+        <pc:chgData name="Kelly, Jack" userId="S::kellyjc@rose-hulman.edu::a4fd8950-19f5-4a20-8ffc-645900257370" providerId="AD" clId="Web-{83FF7817-F08F-4973-9B88-C8C1006ED1BD}" dt="2022-03-22T06:13:37.090" v="0"/>
+        <pc:sldMkLst>
+          <pc:docMk/>
+          <pc:sldMk cId="504009426" sldId="279"/>
+        </pc:sldMkLst>
       </pc:sldChg>
     </pc:docChg>
   </pc:docChgLst>
@@ -637,6 +637,63 @@
                 </a:uFill>
                 <a:latin typeface="Arial"/>
               </a:rPr>
+              <a:t>Start at second hour 0:30 minutes to have </a:t>
+            </a:r>
+            <a:r>
+              <a:rPr lang="en-US" sz="1200" b="0" strike="noStrike" spc="-1">
+                <a:solidFill>
+                  <a:srgbClr val="000000"/>
+                </a:solidFill>
+                <a:uFill>
+                  <a:solidFill>
+                    <a:srgbClr val="FFFFFF"/>
+                  </a:solidFill>
+                </a:uFill>
+                <a:latin typeface="Arial"/>
+              </a:rPr>
+              <a:t>the 20 </a:t>
+            </a:r>
+            <a:r>
+              <a:rPr lang="en-US" sz="1200" b="0" strike="noStrike" spc="-1" dirty="0">
+                <a:solidFill>
+                  <a:srgbClr val="000000"/>
+                </a:solidFill>
+                <a:uFill>
+                  <a:solidFill>
+                    <a:srgbClr val="FFFFFF"/>
+                  </a:solidFill>
+                </a:uFill>
+                <a:latin typeface="Arial"/>
+              </a:rPr>
+              <a:t>minutes needed to go over this</a:t>
+            </a:r>
+          </a:p>
+          <a:p>
+            <a:endParaRPr lang="en-US" sz="1200" b="0" strike="noStrike" spc="-1" dirty="0">
+              <a:solidFill>
+                <a:srgbClr val="000000"/>
+              </a:solidFill>
+              <a:uFill>
+                <a:solidFill>
+                  <a:srgbClr val="FFFFFF"/>
+                </a:solidFill>
+              </a:uFill>
+              <a:latin typeface="Arial"/>
+            </a:endParaRPr>
+          </a:p>
+          <a:p>
+            <a:r>
+              <a:rPr lang="en-US" sz="1200" b="0" strike="noStrike" spc="-1" dirty="0">
+                <a:solidFill>
+                  <a:srgbClr val="000000"/>
+                </a:solidFill>
+                <a:uFill>
+                  <a:solidFill>
+                    <a:srgbClr val="FFFFFF"/>
+                  </a:solidFill>
+                </a:uFill>
+                <a:latin typeface="Arial"/>
+              </a:rPr>
               <a:t>Look at schedule, EXAM soon! Non-coding/Written part first, programming part second.</a:t>
             </a:r>
           </a:p>
@@ -2197,7 +2254,7 @@
               <a:pPr>
                 <a:defRPr/>
               </a:pPr>
-              <a:t>Sunday, December 4, 2022</a:t>
+              <a:t>Tuesday, March 14, 2023</a:t>
             </a:fld>
             <a:endParaRPr lang="en-US" dirty="0"/>
           </a:p>
@@ -2380,7 +2437,7 @@
               <a:pPr>
                 <a:defRPr/>
               </a:pPr>
-              <a:t>Sunday, December 4, 2022</a:t>
+              <a:t>Tuesday, March 14, 2023</a:t>
             </a:fld>
             <a:endParaRPr lang="en-US" dirty="0"/>
           </a:p>
@@ -5945,7 +6002,7 @@
                 </a:solidFill>
                 <a:latin typeface="Consolas" panose="020B0609020204030204" pitchFamily="49" charset="0"/>
               </a:rPr>
-              <a:t>Bryan has a grade of B</a:t>
+              <a:t>Becky has a grade of B</a:t>
             </a:r>
           </a:p>
           <a:p>
@@ -5956,7 +6013,7 @@
                 </a:solidFill>
                 <a:latin typeface="Consolas" panose="020B0609020204030204" pitchFamily="49" charset="0"/>
               </a:rPr>
-              <a:t>Chris has a grade of C</a:t>
+              <a:t>Casey has a grade of C</a:t>
             </a:r>
             <a:endParaRPr lang="en-US" dirty="0"/>
           </a:p>
@@ -6203,7 +6260,7 @@
                 </a:solidFill>
                 <a:latin typeface="Consolas" panose="020B0609020204030204" pitchFamily="49" charset="0"/>
               </a:rPr>
-              <a:t>"Bryan"</a:t>
+              <a:t>"Becky"</a:t>
             </a:r>
             <a:r>
               <a:rPr lang="en-US" b="1" dirty="0">
@@ -6286,7 +6343,7 @@
                 </a:solidFill>
                 <a:latin typeface="Consolas" panose="020B0609020204030204" pitchFamily="49" charset="0"/>
               </a:rPr>
-              <a:t>"Chris"</a:t>
+              <a:t>"Casey"</a:t>
             </a:r>
             <a:r>
               <a:rPr lang="en-US" b="1" dirty="0">
@@ -7394,7 +7451,7 @@
                 </a:solidFill>
                 <a:latin typeface="Consolas" panose="020B0609020204030204" pitchFamily="49" charset="0"/>
               </a:rPr>
-              <a:t>Bryan has a grade of </a:t>
+              <a:t>Becky has a grade of </a:t>
             </a:r>
             <a:r>
               <a:rPr lang="en-US" dirty="0">
@@ -7417,7 +7474,7 @@
                 </a:solidFill>
                 <a:latin typeface="Consolas" panose="020B0609020204030204" pitchFamily="49" charset="0"/>
               </a:rPr>
-              <a:t>Chris has a grade of C</a:t>
+              <a:t>Casey has a grade of C</a:t>
             </a:r>
             <a:endParaRPr lang="en-US" dirty="0"/>
           </a:p>
@@ -7664,7 +7721,7 @@
                 </a:solidFill>
                 <a:latin typeface="Consolas" panose="020B0609020204030204" pitchFamily="49" charset="0"/>
               </a:rPr>
-              <a:t>"Bryan"</a:t>
+              <a:t>"Becky"</a:t>
             </a:r>
             <a:r>
               <a:rPr lang="en-US" b="1" dirty="0">
@@ -7747,7 +7804,7 @@
                 </a:solidFill>
                 <a:latin typeface="Consolas" panose="020B0609020204030204" pitchFamily="49" charset="0"/>
               </a:rPr>
-              <a:t>"Chris"</a:t>
+              <a:t>"Casey"</a:t>
             </a:r>
             <a:r>
               <a:rPr lang="en-US" b="1" dirty="0">
@@ -11838,14 +11895,12 @@
 </file>
 
 <file path=customXml/item1.xml><?xml version="1.0" encoding="utf-8"?>
-<p:properties xmlns:p="http://schemas.microsoft.com/office/2006/metadata/properties" xmlns:xsi="http://www.w3.org/2001/XMLSchema-instance" xmlns:pc="http://schemas.microsoft.com/office/infopath/2007/PartnerControls">
-  <documentManagement>
-    <TaxCatchAll xmlns="820f9cb1-409d-4c4b-8197-1d4f7dd48124" xsi:nil="true"/>
-    <lcf76f155ced4ddcb4097134ff3c332f xmlns="08600313-7276-4ca7-b5d3-7d86193ee0ac">
-      <Terms xmlns="http://schemas.microsoft.com/office/infopath/2007/PartnerControls"/>
-    </lcf76f155ced4ddcb4097134ff3c332f>
-  </documentManagement>
-</p:properties>
+<?mso-contentType ?>
+<FormTemplates xmlns="http://schemas.microsoft.com/sharepoint/v3/contenttype/forms">
+  <Display>DocumentLibraryForm</Display>
+  <Edit>DocumentLibraryForm</Edit>
+  <New>DocumentLibraryForm</New>
+</FormTemplates>
 </file>
 
 <file path=customXml/item2.xml><?xml version="1.0" encoding="utf-8"?>
@@ -12026,28 +12081,20 @@
 </file>
 
 <file path=customXml/item3.xml><?xml version="1.0" encoding="utf-8"?>
-<?mso-contentType ?>
-<FormTemplates xmlns="http://schemas.microsoft.com/sharepoint/v3/contenttype/forms">
-  <Display>DocumentLibraryForm</Display>
-  <Edit>DocumentLibraryForm</Edit>
-  <New>DocumentLibraryForm</New>
-</FormTemplates>
+<p:properties xmlns:p="http://schemas.microsoft.com/office/2006/metadata/properties" xmlns:xsi="http://www.w3.org/2001/XMLSchema-instance" xmlns:pc="http://schemas.microsoft.com/office/infopath/2007/PartnerControls">
+  <documentManagement>
+    <TaxCatchAll xmlns="820f9cb1-409d-4c4b-8197-1d4f7dd48124" xsi:nil="true"/>
+    <lcf76f155ced4ddcb4097134ff3c332f xmlns="08600313-7276-4ca7-b5d3-7d86193ee0ac">
+      <Terms xmlns="http://schemas.microsoft.com/office/infopath/2007/PartnerControls"/>
+    </lcf76f155ced4ddcb4097134ff3c332f>
+  </documentManagement>
+</p:properties>
 </file>
 
 <file path=customXml/itemProps1.xml><?xml version="1.0" encoding="utf-8"?>
-<ds:datastoreItem xmlns:ds="http://schemas.openxmlformats.org/officeDocument/2006/customXml" ds:itemID="{D29398D1-4D63-4575-9A3C-07E2EFD59027}">
+<ds:datastoreItem xmlns:ds="http://schemas.openxmlformats.org/officeDocument/2006/customXml" ds:itemID="{1F91A352-1F40-4259-97AC-634C68ED9050}">
   <ds:schemaRefs>
-    <ds:schemaRef ds:uri="http://schemas.microsoft.com/office/2006/documentManagement/types"/>
-    <ds:schemaRef ds:uri="http://schemas.microsoft.com/office/infopath/2007/PartnerControls"/>
-    <ds:schemaRef ds:uri="http://schemas.microsoft.com/office/2006/metadata/properties"/>
-    <ds:schemaRef ds:uri="http://www.w3.org/XML/1998/namespace"/>
-    <ds:schemaRef ds:uri="http://purl.org/dc/terms/"/>
-    <ds:schemaRef ds:uri="http://purl.org/dc/dcmitype/"/>
-    <ds:schemaRef ds:uri="http://schemas.openxmlformats.org/package/2006/metadata/core-properties"/>
-    <ds:schemaRef ds:uri="79ddb764-415a-4c38-83b7-908be6382bea"/>
-    <ds:schemaRef ds:uri="http://purl.org/dc/elements/1.1/"/>
-    <ds:schemaRef ds:uri="820f9cb1-409d-4c4b-8197-1d4f7dd48124"/>
-    <ds:schemaRef ds:uri="08600313-7276-4ca7-b5d3-7d86193ee0ac"/>
+    <ds:schemaRef ds:uri="http://schemas.microsoft.com/sharepoint/v3/contenttype/forms"/>
   </ds:schemaRefs>
 </ds:datastoreItem>
 </file>
@@ -12072,9 +12119,19 @@
 </file>
 
 <file path=customXml/itemProps3.xml><?xml version="1.0" encoding="utf-8"?>
-<ds:datastoreItem xmlns:ds="http://schemas.openxmlformats.org/officeDocument/2006/customXml" ds:itemID="{1F91A352-1F40-4259-97AC-634C68ED9050}">
+<ds:datastoreItem xmlns:ds="http://schemas.openxmlformats.org/officeDocument/2006/customXml" ds:itemID="{D29398D1-4D63-4575-9A3C-07E2EFD59027}">
   <ds:schemaRefs>
-    <ds:schemaRef ds:uri="http://schemas.microsoft.com/sharepoint/v3/contenttype/forms"/>
+    <ds:schemaRef ds:uri="http://schemas.microsoft.com/office/2006/documentManagement/types"/>
+    <ds:schemaRef ds:uri="http://schemas.microsoft.com/office/infopath/2007/PartnerControls"/>
+    <ds:schemaRef ds:uri="http://schemas.microsoft.com/office/2006/metadata/properties"/>
+    <ds:schemaRef ds:uri="http://www.w3.org/XML/1998/namespace"/>
+    <ds:schemaRef ds:uri="http://purl.org/dc/terms/"/>
+    <ds:schemaRef ds:uri="http://purl.org/dc/dcmitype/"/>
+    <ds:schemaRef ds:uri="http://schemas.openxmlformats.org/package/2006/metadata/core-properties"/>
+    <ds:schemaRef ds:uri="79ddb764-415a-4c38-83b7-908be6382bea"/>
+    <ds:schemaRef ds:uri="http://purl.org/dc/elements/1.1/"/>
+    <ds:schemaRef ds:uri="820f9cb1-409d-4c4b-8197-1d4f7dd48124"/>
+    <ds:schemaRef ds:uri="08600313-7276-4ca7-b5d3-7d86193ee0ac"/>
   </ds:schemaRefs>
 </ds:datastoreItem>
 </file>
--- a/ClassMaterials/SimpleObjects/Slides/Part3-Statics.pptx
+++ b/ClassMaterials/SimpleObjects/Slides/Part3-Statics.pptx
@@ -5,7 +5,7 @@
     <p:sldMasterId id="2147483661" r:id="rId4"/>
   </p:sldMasterIdLst>
   <p:notesMasterIdLst>
-    <p:notesMasterId r:id="rId18"/>
+    <p:notesMasterId r:id="rId19"/>
   </p:notesMasterIdLst>
   <p:sldIdLst>
     <p:sldId id="256" r:id="rId5"/>
@@ -21,6 +21,7 @@
     <p:sldId id="276" r:id="rId15"/>
     <p:sldId id="393" r:id="rId16"/>
     <p:sldId id="272" r:id="rId17"/>
+    <p:sldId id="394" r:id="rId18"/>
   </p:sldIdLst>
   <p:sldSz cx="9144000" cy="6858000" type="screen4x3"/>
   <p:notesSz cx="7315200" cy="9601200"/>
@@ -127,14 +128,6 @@
 </p:presentation>
 </file>
 
-<file path=ppt/revisionInfo.xml><?xml version="1.0" encoding="utf-8"?>
-<p1510:revInfo xmlns:a="http://schemas.openxmlformats.org/drawingml/2006/main" xmlns:r="http://schemas.openxmlformats.org/officeDocument/2006/relationships" xmlns:p1510="http://schemas.microsoft.com/office/powerpoint/2015/10/main">
-  <p1510:revLst>
-    <p1510:client id="{83FF7817-F08F-4973-9B88-C8C1006ED1BD}" v="1" dt="2022-03-22T06:13:37.090"/>
-  </p1510:revLst>
-</p1510:revInfo>
-</file>
-
 <file path=ppt/changesInfos/changesInfo1.xml><?xml version="1.0" encoding="utf-8"?>
 <pc:chgInfo xmlns:a="http://schemas.openxmlformats.org/drawingml/2006/main" xmlns:r="http://schemas.openxmlformats.org/officeDocument/2006/relationships" xmlns:ac="http://schemas.microsoft.com/office/drawing/2013/main/command" xmlns:pc="http://schemas.microsoft.com/office/powerpoint/2013/main/command">
   <pc:docChgLst>
@@ -229,6 +222,38 @@
           <pc:docMk/>
           <pc:sldMk cId="504009426" sldId="279"/>
         </pc:sldMkLst>
+      </pc:sldChg>
+    </pc:docChg>
+  </pc:docChgLst>
+  <pc:docChgLst>
+    <pc:chgData name="Yoder, Jason" userId="28f4d4d8-da04-4f86-b14d-a21675737bc5" providerId="ADAL" clId="{9F44F0A4-FCFE-4034-A658-0F61A23C5683}"/>
+    <pc:docChg chg="addSld modSld">
+      <pc:chgData name="Yoder, Jason" userId="28f4d4d8-da04-4f86-b14d-a21675737bc5" providerId="ADAL" clId="{9F44F0A4-FCFE-4034-A658-0F61A23C5683}" dt="2023-09-10T21:16:44.791" v="26" actId="20577"/>
+      <pc:docMkLst>
+        <pc:docMk/>
+      </pc:docMkLst>
+      <pc:sldChg chg="addSp modSp new mod">
+        <pc:chgData name="Yoder, Jason" userId="28f4d4d8-da04-4f86-b14d-a21675737bc5" providerId="ADAL" clId="{9F44F0A4-FCFE-4034-A658-0F61A23C5683}" dt="2023-09-10T21:16:44.791" v="26" actId="20577"/>
+        <pc:sldMkLst>
+          <pc:docMk/>
+          <pc:sldMk cId="3546705772" sldId="394"/>
+        </pc:sldMkLst>
+        <pc:spChg chg="mod">
+          <ac:chgData name="Yoder, Jason" userId="28f4d4d8-da04-4f86-b14d-a21675737bc5" providerId="ADAL" clId="{9F44F0A4-FCFE-4034-A658-0F61A23C5683}" dt="2023-09-10T21:16:44.791" v="26" actId="20577"/>
+          <ac:spMkLst>
+            <pc:docMk/>
+            <pc:sldMk cId="3546705772" sldId="394"/>
+            <ac:spMk id="2" creationId="{93529F78-D07C-0E2A-820F-23B4E4FF4798}"/>
+          </ac:spMkLst>
+        </pc:spChg>
+        <pc:picChg chg="add mod">
+          <ac:chgData name="Yoder, Jason" userId="28f4d4d8-da04-4f86-b14d-a21675737bc5" providerId="ADAL" clId="{9F44F0A4-FCFE-4034-A658-0F61A23C5683}" dt="2023-09-10T21:16:33.534" v="2" actId="1076"/>
+          <ac:picMkLst>
+            <pc:docMk/>
+            <pc:sldMk cId="3546705772" sldId="394"/>
+            <ac:picMk id="5" creationId="{31478963-0116-A5C2-B422-27AA0F657969}"/>
+          </ac:picMkLst>
+        </pc:picChg>
       </pc:sldChg>
     </pc:docChg>
   </pc:docChgLst>
@@ -2254,7 +2279,7 @@
               <a:pPr>
                 <a:defRPr/>
               </a:pPr>
-              <a:t>Tuesday, March 14, 2023</a:t>
+              <a:t>Sunday, September 10, 2023</a:t>
             </a:fld>
             <a:endParaRPr lang="en-US" dirty="0"/>
           </a:p>
@@ -2437,7 +2462,7 @@
               <a:pPr>
                 <a:defRPr/>
               </a:pPr>
-              <a:t>Tuesday, March 14, 2023</a:t>
+              <a:t>Sunday, September 10, 2023</a:t>
             </a:fld>
             <a:endParaRPr lang="en-US" dirty="0"/>
           </a:p>
@@ -5354,6 +5379,124 @@
       </p:par>
     </p:tnLst>
   </p:timing>
+</p:sld>
+</file>
+
+<file path=ppt/slides/slide14.xml><?xml version="1.0" encoding="utf-8"?>
+<p:sld xmlns:a="http://schemas.openxmlformats.org/drawingml/2006/main" xmlns:r="http://schemas.openxmlformats.org/officeDocument/2006/relationships" xmlns:p="http://schemas.openxmlformats.org/presentationml/2006/main">
+  <p:cSld>
+    <p:spTree>
+      <p:nvGrpSpPr>
+        <p:cNvPr id="1" name=""/>
+        <p:cNvGrpSpPr/>
+        <p:nvPr/>
+      </p:nvGrpSpPr>
+      <p:grpSpPr>
+        <a:xfrm>
+          <a:off x="0" y="0"/>
+          <a:ext cx="0" cy="0"/>
+          <a:chOff x="0" y="0"/>
+          <a:chExt cx="0" cy="0"/>
+        </a:xfrm>
+      </p:grpSpPr>
+      <p:sp>
+        <p:nvSpPr>
+          <p:cNvPr id="2" name="Title 1">
+            <a:extLst>
+              <a:ext uri="{FF2B5EF4-FFF2-40B4-BE49-F238E27FC236}">
+                <a16:creationId xmlns:a16="http://schemas.microsoft.com/office/drawing/2014/main" id="{93529F78-D07C-0E2A-820F-23B4E4FF4798}"/>
+              </a:ext>
+            </a:extLst>
+          </p:cNvPr>
+          <p:cNvSpPr>
+            <a:spLocks noGrp="1"/>
+          </p:cNvSpPr>
+          <p:nvPr>
+            <p:ph type="title"/>
+          </p:nvPr>
+        </p:nvSpPr>
+        <p:spPr/>
+        <p:txBody>
+          <a:bodyPr/>
+          <a:lstStyle/>
+          <a:p>
+            <a:r>
+              <a:rPr lang="en-US" dirty="0"/>
+              <a:t>Submitting to </a:t>
+            </a:r>
+            <a:r>
+              <a:rPr lang="en-US" dirty="0" err="1"/>
+              <a:t>GradeScope</a:t>
+            </a:r>
+            <a:endParaRPr lang="en-US" dirty="0"/>
+          </a:p>
+        </p:txBody>
+      </p:sp>
+      <p:sp>
+        <p:nvSpPr>
+          <p:cNvPr id="3" name="Subtitle 2">
+            <a:extLst>
+              <a:ext uri="{FF2B5EF4-FFF2-40B4-BE49-F238E27FC236}">
+                <a16:creationId xmlns:a16="http://schemas.microsoft.com/office/drawing/2014/main" id="{8A3F8CBF-54AF-B6FE-DAF1-1AA422F881B2}"/>
+              </a:ext>
+            </a:extLst>
+          </p:cNvPr>
+          <p:cNvSpPr>
+            <a:spLocks noGrp="1"/>
+          </p:cNvSpPr>
+          <p:nvPr>
+            <p:ph type="subTitle"/>
+          </p:nvPr>
+        </p:nvSpPr>
+        <p:spPr/>
+        <p:txBody>
+          <a:bodyPr/>
+          <a:lstStyle/>
+          <a:p>
+            <a:endParaRPr lang="en-US"/>
+          </a:p>
+        </p:txBody>
+      </p:sp>
+      <p:pic>
+        <p:nvPicPr>
+          <p:cNvPr id="5" name="Picture 4">
+            <a:extLst>
+              <a:ext uri="{FF2B5EF4-FFF2-40B4-BE49-F238E27FC236}">
+                <a16:creationId xmlns:a16="http://schemas.microsoft.com/office/drawing/2014/main" id="{31478963-0116-A5C2-B422-27AA0F657969}"/>
+              </a:ext>
+            </a:extLst>
+          </p:cNvPr>
+          <p:cNvPicPr>
+            <a:picLocks noChangeAspect="1"/>
+          </p:cNvPicPr>
+          <p:nvPr/>
+        </p:nvPicPr>
+        <p:blipFill>
+          <a:blip r:embed="rId2"/>
+          <a:stretch>
+            <a:fillRect/>
+          </a:stretch>
+        </p:blipFill>
+        <p:spPr>
+          <a:xfrm>
+            <a:off x="-180" y="1417320"/>
+            <a:ext cx="9144000" cy="5489606"/>
+          </a:xfrm>
+          <a:prstGeom prst="rect">
+            <a:avLst/>
+          </a:prstGeom>
+        </p:spPr>
+      </p:pic>
+    </p:spTree>
+    <p:extLst>
+      <p:ext uri="{BB962C8B-B14F-4D97-AF65-F5344CB8AC3E}">
+        <p14:creationId xmlns:p14="http://schemas.microsoft.com/office/powerpoint/2010/main" val="3546705772"/>
+      </p:ext>
+    </p:extLst>
+  </p:cSld>
+  <p:clrMapOvr>
+    <a:masterClrMapping/>
+  </p:clrMapOvr>
 </p:sld>
 </file>
 
@@ -11895,15 +12038,6 @@
 </file>
 
 <file path=customXml/item1.xml><?xml version="1.0" encoding="utf-8"?>
-<?mso-contentType ?>
-<FormTemplates xmlns="http://schemas.microsoft.com/sharepoint/v3/contenttype/forms">
-  <Display>DocumentLibraryForm</Display>
-  <Edit>DocumentLibraryForm</Edit>
-  <New>DocumentLibraryForm</New>
-</FormTemplates>
-</file>
-
-<file path=customXml/item2.xml><?xml version="1.0" encoding="utf-8"?>
 <ct:contentTypeSchema xmlns:ct="http://schemas.microsoft.com/office/2006/metadata/contentType" xmlns:ma="http://schemas.microsoft.com/office/2006/metadata/properties/metaAttributes" ct:_="" ma:_="" ma:contentTypeName="Document" ma:contentTypeID="0x0101004285D81DBE5F5A448E892B34D6B8CF20" ma:contentTypeVersion="8" ma:contentTypeDescription="Create a new document." ma:contentTypeScope="" ma:versionID="ecce54155d2ea7caa9aed06c8b6b9867">
   <xsd:schema xmlns:xsd="http://www.w3.org/2001/XMLSchema" xmlns:xs="http://www.w3.org/2001/XMLSchema" xmlns:p="http://schemas.microsoft.com/office/2006/metadata/properties" xmlns:ns2="08600313-7276-4ca7-b5d3-7d86193ee0ac" xmlns:ns3="820f9cb1-409d-4c4b-8197-1d4f7dd48124" targetNamespace="http://schemas.microsoft.com/office/2006/metadata/properties" ma:root="true" ma:fieldsID="bfd7385540b70b2fe84ac888cc214377" ns2:_="" ns3:_="">
     <xsd:import namespace="08600313-7276-4ca7-b5d3-7d86193ee0ac"/>
@@ -12080,6 +12214,15 @@
 </ct:contentTypeSchema>
 </file>
 
+<file path=customXml/item2.xml><?xml version="1.0" encoding="utf-8"?>
+<?mso-contentType ?>
+<FormTemplates xmlns="http://schemas.microsoft.com/sharepoint/v3/contenttype/forms">
+  <Display>DocumentLibraryForm</Display>
+  <Edit>DocumentLibraryForm</Edit>
+  <New>DocumentLibraryForm</New>
+</FormTemplates>
+</file>
+
 <file path=customXml/item3.xml><?xml version="1.0" encoding="utf-8"?>
 <p:properties xmlns:p="http://schemas.microsoft.com/office/2006/metadata/properties" xmlns:xsi="http://www.w3.org/2001/XMLSchema-instance" xmlns:pc="http://schemas.microsoft.com/office/infopath/2007/PartnerControls">
   <documentManagement>
@@ -12092,14 +12235,6 @@
 </file>
 
 <file path=customXml/itemProps1.xml><?xml version="1.0" encoding="utf-8"?>
-<ds:datastoreItem xmlns:ds="http://schemas.openxmlformats.org/officeDocument/2006/customXml" ds:itemID="{1F91A352-1F40-4259-97AC-634C68ED9050}">
-  <ds:schemaRefs>
-    <ds:schemaRef ds:uri="http://schemas.microsoft.com/sharepoint/v3/contenttype/forms"/>
-  </ds:schemaRefs>
-</ds:datastoreItem>
-</file>
-
-<file path=customXml/itemProps2.xml><?xml version="1.0" encoding="utf-8"?>
 <ds:datastoreItem xmlns:ds="http://schemas.openxmlformats.org/officeDocument/2006/customXml" ds:itemID="{19E38866-5CA2-442C-B776-5925AA69883F}">
   <ds:schemaRefs>
     <ds:schemaRef ds:uri="http://schemas.microsoft.com/office/2006/metadata/contentType"/>
@@ -12114,6 +12249,14 @@
     <ds:schemaRef ds:uri="http://purl.org/dc/elements/1.1/"/>
     <ds:schemaRef ds:uri="http://purl.org/dc/terms/"/>
     <ds:schemaRef ds:uri="http://schemas.microsoft.com/internal/obd"/>
+  </ds:schemaRefs>
+</ds:datastoreItem>
+</file>
+
+<file path=customXml/itemProps2.xml><?xml version="1.0" encoding="utf-8"?>
+<ds:datastoreItem xmlns:ds="http://schemas.openxmlformats.org/officeDocument/2006/customXml" ds:itemID="{1F91A352-1F40-4259-97AC-634C68ED9050}">
+  <ds:schemaRefs>
+    <ds:schemaRef ds:uri="http://schemas.microsoft.com/sharepoint/v3/contenttype/forms"/>
   </ds:schemaRefs>
 </ds:datastoreItem>
 </file>

--- a/ClassMaterials/SimpleObjects/Slides/Part3-Statics.pptx
+++ b/ClassMaterials/SimpleObjects/Slides/Part3-Statics.pptx
@@ -5,7 +5,7 @@
     <p:sldMasterId id="2147483661" r:id="rId4"/>
   </p:sldMasterIdLst>
   <p:notesMasterIdLst>
-    <p:notesMasterId r:id="rId19"/>
+    <p:notesMasterId r:id="rId18"/>
   </p:notesMasterIdLst>
   <p:sldIdLst>
     <p:sldId id="256" r:id="rId5"/>
@@ -21,7 +21,6 @@
     <p:sldId id="276" r:id="rId15"/>
     <p:sldId id="393" r:id="rId16"/>
     <p:sldId id="272" r:id="rId17"/>
-    <p:sldId id="394" r:id="rId18"/>
   </p:sldIdLst>
   <p:sldSz cx="9144000" cy="6858000" type="screen4x3"/>
   <p:notesSz cx="7315200" cy="9601200"/>
@@ -128,6 +127,14 @@
 </p:presentation>
 </file>
 
+<file path=ppt/revisionInfo.xml><?xml version="1.0" encoding="utf-8"?>
+<p1510:revInfo xmlns:a="http://schemas.openxmlformats.org/drawingml/2006/main" xmlns:r="http://schemas.openxmlformats.org/officeDocument/2006/relationships" xmlns:p1510="http://schemas.microsoft.com/office/powerpoint/2015/10/main">
+  <p1510:revLst>
+    <p1510:client id="{83FF7817-F08F-4973-9B88-C8C1006ED1BD}" v="1" dt="2022-03-22T06:13:37.090"/>
+  </p1510:revLst>
+</p1510:revInfo>
+</file>
+
 <file path=ppt/changesInfos/changesInfo1.xml><?xml version="1.0" encoding="utf-8"?>
 <pc:chgInfo xmlns:a="http://schemas.openxmlformats.org/drawingml/2006/main" xmlns:r="http://schemas.openxmlformats.org/officeDocument/2006/relationships" xmlns:ac="http://schemas.microsoft.com/office/drawing/2013/main/command" xmlns:pc="http://schemas.microsoft.com/office/powerpoint/2013/main/command">
   <pc:docChgLst>
@@ -222,38 +229,6 @@
           <pc:docMk/>
           <pc:sldMk cId="504009426" sldId="279"/>
         </pc:sldMkLst>
-      </pc:sldChg>
-    </pc:docChg>
-  </pc:docChgLst>
-  <pc:docChgLst>
-    <pc:chgData name="Yoder, Jason" userId="28f4d4d8-da04-4f86-b14d-a21675737bc5" providerId="ADAL" clId="{9F44F0A4-FCFE-4034-A658-0F61A23C5683}"/>
-    <pc:docChg chg="addSld modSld">
-      <pc:chgData name="Yoder, Jason" userId="28f4d4d8-da04-4f86-b14d-a21675737bc5" providerId="ADAL" clId="{9F44F0A4-FCFE-4034-A658-0F61A23C5683}" dt="2023-09-10T21:16:44.791" v="26" actId="20577"/>
-      <pc:docMkLst>
-        <pc:docMk/>
-      </pc:docMkLst>
-      <pc:sldChg chg="addSp modSp new mod">
-        <pc:chgData name="Yoder, Jason" userId="28f4d4d8-da04-4f86-b14d-a21675737bc5" providerId="ADAL" clId="{9F44F0A4-FCFE-4034-A658-0F61A23C5683}" dt="2023-09-10T21:16:44.791" v="26" actId="20577"/>
-        <pc:sldMkLst>
-          <pc:docMk/>
-          <pc:sldMk cId="3546705772" sldId="394"/>
-        </pc:sldMkLst>
-        <pc:spChg chg="mod">
-          <ac:chgData name="Yoder, Jason" userId="28f4d4d8-da04-4f86-b14d-a21675737bc5" providerId="ADAL" clId="{9F44F0A4-FCFE-4034-A658-0F61A23C5683}" dt="2023-09-10T21:16:44.791" v="26" actId="20577"/>
-          <ac:spMkLst>
-            <pc:docMk/>
-            <pc:sldMk cId="3546705772" sldId="394"/>
-            <ac:spMk id="2" creationId="{93529F78-D07C-0E2A-820F-23B4E4FF4798}"/>
-          </ac:spMkLst>
-        </pc:spChg>
-        <pc:picChg chg="add mod">
-          <ac:chgData name="Yoder, Jason" userId="28f4d4d8-da04-4f86-b14d-a21675737bc5" providerId="ADAL" clId="{9F44F0A4-FCFE-4034-A658-0F61A23C5683}" dt="2023-09-10T21:16:33.534" v="2" actId="1076"/>
-          <ac:picMkLst>
-            <pc:docMk/>
-            <pc:sldMk cId="3546705772" sldId="394"/>
-            <ac:picMk id="5" creationId="{31478963-0116-A5C2-B422-27AA0F657969}"/>
-          </ac:picMkLst>
-        </pc:picChg>
       </pc:sldChg>
     </pc:docChg>
   </pc:docChgLst>
@@ -2279,7 +2254,7 @@
               <a:pPr>
                 <a:defRPr/>
               </a:pPr>
-              <a:t>Sunday, September 10, 2023</a:t>
+              <a:t>Tuesday, March 14, 2023</a:t>
             </a:fld>
             <a:endParaRPr lang="en-US" dirty="0"/>
           </a:p>
@@ -2462,7 +2437,7 @@
               <a:pPr>
                 <a:defRPr/>
               </a:pPr>
-              <a:t>Sunday, September 10, 2023</a:t>
+              <a:t>Tuesday, March 14, 2023</a:t>
             </a:fld>
             <a:endParaRPr lang="en-US" dirty="0"/>
           </a:p>
@@ -5379,124 +5354,6 @@
       </p:par>
     </p:tnLst>
   </p:timing>
-</p:sld>
-</file>
-
-<file path=ppt/slides/slide14.xml><?xml version="1.0" encoding="utf-8"?>
-<p:sld xmlns:a="http://schemas.openxmlformats.org/drawingml/2006/main" xmlns:r="http://schemas.openxmlformats.org/officeDocument/2006/relationships" xmlns:p="http://schemas.openxmlformats.org/presentationml/2006/main">
-  <p:cSld>
-    <p:spTree>
-      <p:nvGrpSpPr>
-        <p:cNvPr id="1" name=""/>
-        <p:cNvGrpSpPr/>
-        <p:nvPr/>
-      </p:nvGrpSpPr>
-      <p:grpSpPr>
-        <a:xfrm>
-          <a:off x="0" y="0"/>
-          <a:ext cx="0" cy="0"/>
-          <a:chOff x="0" y="0"/>
-          <a:chExt cx="0" cy="0"/>
-        </a:xfrm>
-      </p:grpSpPr>
-      <p:sp>
-        <p:nvSpPr>
-          <p:cNvPr id="2" name="Title 1">
-            <a:extLst>
-              <a:ext uri="{FF2B5EF4-FFF2-40B4-BE49-F238E27FC236}">
-                <a16:creationId xmlns:a16="http://schemas.microsoft.com/office/drawing/2014/main" id="{93529F78-D07C-0E2A-820F-23B4E4FF4798}"/>
-              </a:ext>
-            </a:extLst>
-          </p:cNvPr>
-          <p:cNvSpPr>
-            <a:spLocks noGrp="1"/>
-          </p:cNvSpPr>
-          <p:nvPr>
-            <p:ph type="title"/>
-          </p:nvPr>
-        </p:nvSpPr>
-        <p:spPr/>
-        <p:txBody>
-          <a:bodyPr/>
-          <a:lstStyle/>
-          <a:p>
-            <a:r>
-              <a:rPr lang="en-US" dirty="0"/>
-              <a:t>Submitting to </a:t>
-            </a:r>
-            <a:r>
-              <a:rPr lang="en-US" dirty="0" err="1"/>
-              <a:t>GradeScope</a:t>
-            </a:r>
-            <a:endParaRPr lang="en-US" dirty="0"/>
-          </a:p>
-        </p:txBody>
-      </p:sp>
-      <p:sp>
-        <p:nvSpPr>
-          <p:cNvPr id="3" name="Subtitle 2">
-            <a:extLst>
-              <a:ext uri="{FF2B5EF4-FFF2-40B4-BE49-F238E27FC236}">
-                <a16:creationId xmlns:a16="http://schemas.microsoft.com/office/drawing/2014/main" id="{8A3F8CBF-54AF-B6FE-DAF1-1AA422F881B2}"/>
-              </a:ext>
-            </a:extLst>
-          </p:cNvPr>
-          <p:cNvSpPr>
-            <a:spLocks noGrp="1"/>
-          </p:cNvSpPr>
-          <p:nvPr>
-            <p:ph type="subTitle"/>
-          </p:nvPr>
-        </p:nvSpPr>
-        <p:spPr/>
-        <p:txBody>
-          <a:bodyPr/>
-          <a:lstStyle/>
-          <a:p>
-            <a:endParaRPr lang="en-US"/>
-          </a:p>
-        </p:txBody>
-      </p:sp>
-      <p:pic>
-        <p:nvPicPr>
-          <p:cNvPr id="5" name="Picture 4">
-            <a:extLst>
-              <a:ext uri="{FF2B5EF4-FFF2-40B4-BE49-F238E27FC236}">
-                <a16:creationId xmlns:a16="http://schemas.microsoft.com/office/drawing/2014/main" id="{31478963-0116-A5C2-B422-27AA0F657969}"/>
-              </a:ext>
-            </a:extLst>
-          </p:cNvPr>
-          <p:cNvPicPr>
-            <a:picLocks noChangeAspect="1"/>
-          </p:cNvPicPr>
-          <p:nvPr/>
-        </p:nvPicPr>
-        <p:blipFill>
-          <a:blip r:embed="rId2"/>
-          <a:stretch>
-            <a:fillRect/>
-          </a:stretch>
-        </p:blipFill>
-        <p:spPr>
-          <a:xfrm>
-            <a:off x="-180" y="1417320"/>
-            <a:ext cx="9144000" cy="5489606"/>
-          </a:xfrm>
-          <a:prstGeom prst="rect">
-            <a:avLst/>
-          </a:prstGeom>
-        </p:spPr>
-      </p:pic>
-    </p:spTree>
-    <p:extLst>
-      <p:ext uri="{BB962C8B-B14F-4D97-AF65-F5344CB8AC3E}">
-        <p14:creationId xmlns:p14="http://schemas.microsoft.com/office/powerpoint/2010/main" val="3546705772"/>
-      </p:ext>
-    </p:extLst>
-  </p:cSld>
-  <p:clrMapOvr>
-    <a:masterClrMapping/>
-  </p:clrMapOvr>
 </p:sld>
 </file>
 
@@ -12038,6 +11895,15 @@
 </file>
 
 <file path=customXml/item1.xml><?xml version="1.0" encoding="utf-8"?>
+<?mso-contentType ?>
+<FormTemplates xmlns="http://schemas.microsoft.com/sharepoint/v3/contenttype/forms">
+  <Display>DocumentLibraryForm</Display>
+  <Edit>DocumentLibraryForm</Edit>
+  <New>DocumentLibraryForm</New>
+</FormTemplates>
+</file>
+
+<file path=customXml/item2.xml><?xml version="1.0" encoding="utf-8"?>
 <ct:contentTypeSchema xmlns:ct="http://schemas.microsoft.com/office/2006/metadata/contentType" xmlns:ma="http://schemas.microsoft.com/office/2006/metadata/properties/metaAttributes" ct:_="" ma:_="" ma:contentTypeName="Document" ma:contentTypeID="0x0101004285D81DBE5F5A448E892B34D6B8CF20" ma:contentTypeVersion="8" ma:contentTypeDescription="Create a new document." ma:contentTypeScope="" ma:versionID="ecce54155d2ea7caa9aed06c8b6b9867">
   <xsd:schema xmlns:xsd="http://www.w3.org/2001/XMLSchema" xmlns:xs="http://www.w3.org/2001/XMLSchema" xmlns:p="http://schemas.microsoft.com/office/2006/metadata/properties" xmlns:ns2="08600313-7276-4ca7-b5d3-7d86193ee0ac" xmlns:ns3="820f9cb1-409d-4c4b-8197-1d4f7dd48124" targetNamespace="http://schemas.microsoft.com/office/2006/metadata/properties" ma:root="true" ma:fieldsID="bfd7385540b70b2fe84ac888cc214377" ns2:_="" ns3:_="">
     <xsd:import namespace="08600313-7276-4ca7-b5d3-7d86193ee0ac"/>
@@ -12214,15 +12080,6 @@
 </ct:contentTypeSchema>
 </file>
 
-<file path=customXml/item2.xml><?xml version="1.0" encoding="utf-8"?>
-<?mso-contentType ?>
-<FormTemplates xmlns="http://schemas.microsoft.com/sharepoint/v3/contenttype/forms">
-  <Display>DocumentLibraryForm</Display>
-  <Edit>DocumentLibraryForm</Edit>
-  <New>DocumentLibraryForm</New>
-</FormTemplates>
-</file>
-
 <file path=customXml/item3.xml><?xml version="1.0" encoding="utf-8"?>
 <p:properties xmlns:p="http://schemas.microsoft.com/office/2006/metadata/properties" xmlns:xsi="http://www.w3.org/2001/XMLSchema-instance" xmlns:pc="http://schemas.microsoft.com/office/infopath/2007/PartnerControls">
   <documentManagement>
@@ -12235,6 +12092,14 @@
 </file>
 
 <file path=customXml/itemProps1.xml><?xml version="1.0" encoding="utf-8"?>
+<ds:datastoreItem xmlns:ds="http://schemas.openxmlformats.org/officeDocument/2006/customXml" ds:itemID="{1F91A352-1F40-4259-97AC-634C68ED9050}">
+  <ds:schemaRefs>
+    <ds:schemaRef ds:uri="http://schemas.microsoft.com/sharepoint/v3/contenttype/forms"/>
+  </ds:schemaRefs>
+</ds:datastoreItem>
+</file>
+
+<file path=customXml/itemProps2.xml><?xml version="1.0" encoding="utf-8"?>
 <ds:datastoreItem xmlns:ds="http://schemas.openxmlformats.org/officeDocument/2006/customXml" ds:itemID="{19E38866-5CA2-442C-B776-5925AA69883F}">
   <ds:schemaRefs>
     <ds:schemaRef ds:uri="http://schemas.microsoft.com/office/2006/metadata/contentType"/>
@@ -12249,14 +12114,6 @@
     <ds:schemaRef ds:uri="http://purl.org/dc/elements/1.1/"/>
     <ds:schemaRef ds:uri="http://purl.org/dc/terms/"/>
     <ds:schemaRef ds:uri="http://schemas.microsoft.com/internal/obd"/>
-  </ds:schemaRefs>
-</ds:datastoreItem>
-</file>
-
-<file path=customXml/itemProps2.xml><?xml version="1.0" encoding="utf-8"?>
-<ds:datastoreItem xmlns:ds="http://schemas.openxmlformats.org/officeDocument/2006/customXml" ds:itemID="{1F91A352-1F40-4259-97AC-634C68ED9050}">
-  <ds:schemaRefs>
-    <ds:schemaRef ds:uri="http://schemas.microsoft.com/sharepoint/v3/contenttype/forms"/>
   </ds:schemaRefs>
 </ds:datastoreItem>
 </file>

--- a/ClassMaterials/SimpleObjects/Slides/Part3-Statics.pptx
+++ b/ClassMaterials/SimpleObjects/Slides/Part3-Statics.pptx
@@ -178,6 +178,22 @@
     </pc:docChg>
   </pc:docChgLst>
   <pc:docChgLst>
+    <pc:chgData name="Kelly, Jack" userId="S::kellyjc@rose-hulman.edu::a4fd8950-19f5-4a20-8ffc-645900257370" providerId="AD" clId="Web-{83FF7817-F08F-4973-9B88-C8C1006ED1BD}"/>
+    <pc:docChg chg="delSld">
+      <pc:chgData name="Kelly, Jack" userId="S::kellyjc@rose-hulman.edu::a4fd8950-19f5-4a20-8ffc-645900257370" providerId="AD" clId="Web-{83FF7817-F08F-4973-9B88-C8C1006ED1BD}" dt="2022-03-22T06:13:37.090" v="0"/>
+      <pc:docMkLst>
+        <pc:docMk/>
+      </pc:docMkLst>
+      <pc:sldChg chg="del">
+        <pc:chgData name="Kelly, Jack" userId="S::kellyjc@rose-hulman.edu::a4fd8950-19f5-4a20-8ffc-645900257370" providerId="AD" clId="Web-{83FF7817-F08F-4973-9B88-C8C1006ED1BD}" dt="2022-03-22T06:13:37.090" v="0"/>
+        <pc:sldMkLst>
+          <pc:docMk/>
+          <pc:sldMk cId="504009426" sldId="279"/>
+        </pc:sldMkLst>
+      </pc:sldChg>
+    </pc:docChg>
+  </pc:docChgLst>
+  <pc:docChgLst>
     <pc:chgData name="Hollingsworth, Joseph" userId="6338ef61-550f-4a52-a8a3-bd9025908f10" providerId="ADAL" clId="{8B56CC65-205A-F549-A661-F26F4F404A63}"/>
     <pc:docChg chg="modSld">
       <pc:chgData name="Hollingsworth, Joseph" userId="6338ef61-550f-4a52-a8a3-bd9025908f10" providerId="ADAL" clId="{8B56CC65-205A-F549-A661-F26F4F404A63}" dt="2022-03-15T12:39:56.529" v="69" actId="20577"/>
@@ -213,22 +229,6 @@
             <ac:spMk id="229" creationId="{00000000-0000-0000-0000-000000000000}"/>
           </ac:spMkLst>
         </pc:spChg>
-      </pc:sldChg>
-    </pc:docChg>
-  </pc:docChgLst>
-  <pc:docChgLst>
-    <pc:chgData name="Kelly, Jack" userId="S::kellyjc@rose-hulman.edu::a4fd8950-19f5-4a20-8ffc-645900257370" providerId="AD" clId="Web-{83FF7817-F08F-4973-9B88-C8C1006ED1BD}"/>
-    <pc:docChg chg="delSld">
-      <pc:chgData name="Kelly, Jack" userId="S::kellyjc@rose-hulman.edu::a4fd8950-19f5-4a20-8ffc-645900257370" providerId="AD" clId="Web-{83FF7817-F08F-4973-9B88-C8C1006ED1BD}" dt="2022-03-22T06:13:37.090" v="0"/>
-      <pc:docMkLst>
-        <pc:docMk/>
-      </pc:docMkLst>
-      <pc:sldChg chg="del">
-        <pc:chgData name="Kelly, Jack" userId="S::kellyjc@rose-hulman.edu::a4fd8950-19f5-4a20-8ffc-645900257370" providerId="AD" clId="Web-{83FF7817-F08F-4973-9B88-C8C1006ED1BD}" dt="2022-03-22T06:13:37.090" v="0"/>
-        <pc:sldMkLst>
-          <pc:docMk/>
-          <pc:sldMk cId="504009426" sldId="279"/>
-        </pc:sldMkLst>
       </pc:sldChg>
     </pc:docChg>
   </pc:docChgLst>
@@ -2254,7 +2254,7 @@
               <a:pPr>
                 <a:defRPr/>
               </a:pPr>
-              <a:t>Tuesday, March 14, 2023</a:t>
+              <a:t>Monday, February 26, 2024</a:t>
             </a:fld>
             <a:endParaRPr lang="en-US" dirty="0"/>
           </a:p>
@@ -2437,7 +2437,7 @@
               <a:pPr>
                 <a:defRPr/>
               </a:pPr>
-              <a:t>Tuesday, March 14, 2023</a:t>
+              <a:t>Monday, February 26, 2024</a:t>
             </a:fld>
             <a:endParaRPr lang="en-US" dirty="0"/>
           </a:p>
@@ -5119,7 +5119,7 @@
               </a:lnSpc>
             </a:pPr>
             <a:r>
-              <a:rPr lang="en-US" sz="4400" b="0" strike="noStrike" spc="-1">
+              <a:rPr lang="en-US" sz="4400" b="0" strike="noStrike" spc="-1" dirty="0">
                 <a:solidFill>
                   <a:srgbClr val="000000"/>
                 </a:solidFill>
@@ -5130,9 +5130,9 @@
                 </a:uFill>
                 <a:latin typeface="Calibri"/>
               </a:rPr>
-              <a:t>Exercise</a:t>
-            </a:r>
-            <a:endParaRPr lang="en-US" sz="4400" b="0" strike="noStrike" spc="-1">
+              <a:t>Reminder</a:t>
+            </a:r>
+            <a:endParaRPr lang="en-US" sz="4400" b="0" strike="noStrike" spc="-1" dirty="0">
               <a:solidFill>
                 <a:srgbClr val="000000"/>
               </a:solidFill>
@@ -5155,7 +5155,7 @@
         <p:spPr>
           <a:xfrm>
             <a:off x="296883" y="1600200"/>
-            <a:ext cx="8389557" cy="4525560"/>
+            <a:ext cx="8389557" cy="2767405"/>
           </a:xfrm>
           <a:prstGeom prst="rect">
             <a:avLst/>
@@ -5191,7 +5191,7 @@
                 </a:uFill>
                 <a:latin typeface="Calibri"/>
               </a:rPr>
-              <a:t>Work </a:t>
+              <a:t>You can work </a:t>
             </a:r>
             <a:r>
               <a:rPr lang="en-US" sz="3200" b="0" strike="noStrike" spc="-1" dirty="0">
@@ -5313,6 +5313,44 @@
                 <a:latin typeface="Calibri"/>
               </a:rPr>
               <a:t>Fail in front of Instructor or TA -&gt; Now is the time to fail, not at 23:45 the night it is due</a:t>
+            </a:r>
+          </a:p>
+        </p:txBody>
+      </p:sp>
+      <p:sp>
+        <p:nvSpPr>
+          <p:cNvPr id="2" name="TextBox 1">
+            <a:extLst>
+              <a:ext uri="{FF2B5EF4-FFF2-40B4-BE49-F238E27FC236}">
+                <a16:creationId xmlns:a16="http://schemas.microsoft.com/office/drawing/2014/main" id="{019C6BA3-3175-9705-5787-DD22560E72CE}"/>
+              </a:ext>
+            </a:extLst>
+          </p:cNvPr>
+          <p:cNvSpPr txBox="1"/>
+          <p:nvPr/>
+        </p:nvSpPr>
+        <p:spPr>
+          <a:xfrm>
+            <a:off x="1398494" y="4873079"/>
+            <a:ext cx="5959737" cy="1446550"/>
+          </a:xfrm>
+          <a:prstGeom prst="rect">
+            <a:avLst/>
+          </a:prstGeom>
+          <a:solidFill>
+            <a:srgbClr val="92D050"/>
+          </a:solidFill>
+        </p:spPr>
+        <p:txBody>
+          <a:bodyPr wrap="square" rtlCol="0">
+            <a:spAutoFit/>
+          </a:bodyPr>
+          <a:lstStyle/>
+          <a:p>
+            <a:pPr algn="ctr"/>
+            <a:r>
+              <a:rPr lang="en-US" sz="4400" dirty="0"/>
+              <a:t>Review MS Team Channel for Pairings</a:t>
             </a:r>
           </a:p>
         </p:txBody>
@@ -11895,12 +11933,14 @@
 </file>
 
 <file path=customXml/item1.xml><?xml version="1.0" encoding="utf-8"?>
-<?mso-contentType ?>
-<FormTemplates xmlns="http://schemas.microsoft.com/sharepoint/v3/contenttype/forms">
-  <Display>DocumentLibraryForm</Display>
-  <Edit>DocumentLibraryForm</Edit>
-  <New>DocumentLibraryForm</New>
-</FormTemplates>
+<p:properties xmlns:p="http://schemas.microsoft.com/office/2006/metadata/properties" xmlns:xsi="http://www.w3.org/2001/XMLSchema-instance" xmlns:pc="http://schemas.microsoft.com/office/infopath/2007/PartnerControls">
+  <documentManagement>
+    <TaxCatchAll xmlns="820f9cb1-409d-4c4b-8197-1d4f7dd48124" xsi:nil="true"/>
+    <lcf76f155ced4ddcb4097134ff3c332f xmlns="08600313-7276-4ca7-b5d3-7d86193ee0ac">
+      <Terms xmlns="http://schemas.microsoft.com/office/infopath/2007/PartnerControls"/>
+    </lcf76f155ced4ddcb4097134ff3c332f>
+  </documentManagement>
+</p:properties>
 </file>
 
 <file path=customXml/item2.xml><?xml version="1.0" encoding="utf-8"?>
@@ -12081,20 +12121,28 @@
 </file>
 
 <file path=customXml/item3.xml><?xml version="1.0" encoding="utf-8"?>
-<p:properties xmlns:p="http://schemas.microsoft.com/office/2006/metadata/properties" xmlns:xsi="http://www.w3.org/2001/XMLSchema-instance" xmlns:pc="http://schemas.microsoft.com/office/infopath/2007/PartnerControls">
-  <documentManagement>
-    <TaxCatchAll xmlns="820f9cb1-409d-4c4b-8197-1d4f7dd48124" xsi:nil="true"/>
-    <lcf76f155ced4ddcb4097134ff3c332f xmlns="08600313-7276-4ca7-b5d3-7d86193ee0ac">
-      <Terms xmlns="http://schemas.microsoft.com/office/infopath/2007/PartnerControls"/>
-    </lcf76f155ced4ddcb4097134ff3c332f>
-  </documentManagement>
-</p:properties>
+<?mso-contentType ?>
+<FormTemplates xmlns="http://schemas.microsoft.com/sharepoint/v3/contenttype/forms">
+  <Display>DocumentLibraryForm</Display>
+  <Edit>DocumentLibraryForm</Edit>
+  <New>DocumentLibraryForm</New>
+</FormTemplates>
 </file>
 
 <file path=customXml/itemProps1.xml><?xml version="1.0" encoding="utf-8"?>
-<ds:datastoreItem xmlns:ds="http://schemas.openxmlformats.org/officeDocument/2006/customXml" ds:itemID="{1F91A352-1F40-4259-97AC-634C68ED9050}">
+<ds:datastoreItem xmlns:ds="http://schemas.openxmlformats.org/officeDocument/2006/customXml" ds:itemID="{D29398D1-4D63-4575-9A3C-07E2EFD59027}">
   <ds:schemaRefs>
-    <ds:schemaRef ds:uri="http://schemas.microsoft.com/sharepoint/v3/contenttype/forms"/>
+    <ds:schemaRef ds:uri="http://schemas.microsoft.com/office/2006/documentManagement/types"/>
+    <ds:schemaRef ds:uri="http://schemas.microsoft.com/office/infopath/2007/PartnerControls"/>
+    <ds:schemaRef ds:uri="http://schemas.microsoft.com/office/2006/metadata/properties"/>
+    <ds:schemaRef ds:uri="http://www.w3.org/XML/1998/namespace"/>
+    <ds:schemaRef ds:uri="http://purl.org/dc/terms/"/>
+    <ds:schemaRef ds:uri="http://purl.org/dc/dcmitype/"/>
+    <ds:schemaRef ds:uri="http://schemas.openxmlformats.org/package/2006/metadata/core-properties"/>
+    <ds:schemaRef ds:uri="79ddb764-415a-4c38-83b7-908be6382bea"/>
+    <ds:schemaRef ds:uri="http://purl.org/dc/elements/1.1/"/>
+    <ds:schemaRef ds:uri="820f9cb1-409d-4c4b-8197-1d4f7dd48124"/>
+    <ds:schemaRef ds:uri="08600313-7276-4ca7-b5d3-7d86193ee0ac"/>
   </ds:schemaRefs>
 </ds:datastoreItem>
 </file>
@@ -12119,19 +12167,9 @@
 </file>
 
 <file path=customXml/itemProps3.xml><?xml version="1.0" encoding="utf-8"?>
-<ds:datastoreItem xmlns:ds="http://schemas.openxmlformats.org/officeDocument/2006/customXml" ds:itemID="{D29398D1-4D63-4575-9A3C-07E2EFD59027}">
+<ds:datastoreItem xmlns:ds="http://schemas.openxmlformats.org/officeDocument/2006/customXml" ds:itemID="{1F91A352-1F40-4259-97AC-634C68ED9050}">
   <ds:schemaRefs>
-    <ds:schemaRef ds:uri="http://schemas.microsoft.com/office/2006/documentManagement/types"/>
-    <ds:schemaRef ds:uri="http://schemas.microsoft.com/office/infopath/2007/PartnerControls"/>
-    <ds:schemaRef ds:uri="http://schemas.microsoft.com/office/2006/metadata/properties"/>
-    <ds:schemaRef ds:uri="http://www.w3.org/XML/1998/namespace"/>
-    <ds:schemaRef ds:uri="http://purl.org/dc/terms/"/>
-    <ds:schemaRef ds:uri="http://purl.org/dc/dcmitype/"/>
-    <ds:schemaRef ds:uri="http://schemas.openxmlformats.org/package/2006/metadata/core-properties"/>
-    <ds:schemaRef ds:uri="79ddb764-415a-4c38-83b7-908be6382bea"/>
-    <ds:schemaRef ds:uri="http://purl.org/dc/elements/1.1/"/>
-    <ds:schemaRef ds:uri="820f9cb1-409d-4c4b-8197-1d4f7dd48124"/>
-    <ds:schemaRef ds:uri="08600313-7276-4ca7-b5d3-7d86193ee0ac"/>
+    <ds:schemaRef ds:uri="http://schemas.microsoft.com/sharepoint/v3/contenttype/forms"/>
   </ds:schemaRefs>
 </ds:datastoreItem>
 </file>
--- a/ClassMaterials/SimpleObjects/Slides/Part3-Statics.pptx
+++ b/ClassMaterials/SimpleObjects/Slides/Part3-Statics.pptx
@@ -178,22 +178,6 @@
     </pc:docChg>
   </pc:docChgLst>
   <pc:docChgLst>
-    <pc:chgData name="Kelly, Jack" userId="S::kellyjc@rose-hulman.edu::a4fd8950-19f5-4a20-8ffc-645900257370" providerId="AD" clId="Web-{83FF7817-F08F-4973-9B88-C8C1006ED1BD}"/>
-    <pc:docChg chg="delSld">
-      <pc:chgData name="Kelly, Jack" userId="S::kellyjc@rose-hulman.edu::a4fd8950-19f5-4a20-8ffc-645900257370" providerId="AD" clId="Web-{83FF7817-F08F-4973-9B88-C8C1006ED1BD}" dt="2022-03-22T06:13:37.090" v="0"/>
-      <pc:docMkLst>
-        <pc:docMk/>
-      </pc:docMkLst>
-      <pc:sldChg chg="del">
-        <pc:chgData name="Kelly, Jack" userId="S::kellyjc@rose-hulman.edu::a4fd8950-19f5-4a20-8ffc-645900257370" providerId="AD" clId="Web-{83FF7817-F08F-4973-9B88-C8C1006ED1BD}" dt="2022-03-22T06:13:37.090" v="0"/>
-        <pc:sldMkLst>
-          <pc:docMk/>
-          <pc:sldMk cId="504009426" sldId="279"/>
-        </pc:sldMkLst>
-      </pc:sldChg>
-    </pc:docChg>
-  </pc:docChgLst>
-  <pc:docChgLst>
     <pc:chgData name="Hollingsworth, Joseph" userId="6338ef61-550f-4a52-a8a3-bd9025908f10" providerId="ADAL" clId="{8B56CC65-205A-F549-A661-F26F4F404A63}"/>
     <pc:docChg chg="modSld">
       <pc:chgData name="Hollingsworth, Joseph" userId="6338ef61-550f-4a52-a8a3-bd9025908f10" providerId="ADAL" clId="{8B56CC65-205A-F549-A661-F26F4F404A63}" dt="2022-03-15T12:39:56.529" v="69" actId="20577"/>
@@ -229,6 +213,22 @@
             <ac:spMk id="229" creationId="{00000000-0000-0000-0000-000000000000}"/>
           </ac:spMkLst>
         </pc:spChg>
+      </pc:sldChg>
+    </pc:docChg>
+  </pc:docChgLst>
+  <pc:docChgLst>
+    <pc:chgData name="Kelly, Jack" userId="S::kellyjc@rose-hulman.edu::a4fd8950-19f5-4a20-8ffc-645900257370" providerId="AD" clId="Web-{83FF7817-F08F-4973-9B88-C8C1006ED1BD}"/>
+    <pc:docChg chg="delSld">
+      <pc:chgData name="Kelly, Jack" userId="S::kellyjc@rose-hulman.edu::a4fd8950-19f5-4a20-8ffc-645900257370" providerId="AD" clId="Web-{83FF7817-F08F-4973-9B88-C8C1006ED1BD}" dt="2022-03-22T06:13:37.090" v="0"/>
+      <pc:docMkLst>
+        <pc:docMk/>
+      </pc:docMkLst>
+      <pc:sldChg chg="del">
+        <pc:chgData name="Kelly, Jack" userId="S::kellyjc@rose-hulman.edu::a4fd8950-19f5-4a20-8ffc-645900257370" providerId="AD" clId="Web-{83FF7817-F08F-4973-9B88-C8C1006ED1BD}" dt="2022-03-22T06:13:37.090" v="0"/>
+        <pc:sldMkLst>
+          <pc:docMk/>
+          <pc:sldMk cId="504009426" sldId="279"/>
+        </pc:sldMkLst>
       </pc:sldChg>
     </pc:docChg>
   </pc:docChgLst>
@@ -847,7 +847,10 @@
           <a:bodyPr/>
           <a:lstStyle/>
           <a:p>
-            <a:endParaRPr lang="en-US" dirty="0"/>
+            <a:r>
+              <a:rPr lang="en-US" dirty="0"/>
+              <a:t>Yoder- I don’t use this normally</a:t>
+            </a:r>
           </a:p>
         </p:txBody>
       </p:sp>
@@ -2254,7 +2257,7 @@
               <a:pPr>
                 <a:defRPr/>
               </a:pPr>
-              <a:t>Monday, February 26, 2024</a:t>
+              <a:t>Tuesday, March 18, 2025</a:t>
             </a:fld>
             <a:endParaRPr lang="en-US" dirty="0"/>
           </a:p>
@@ -2437,7 +2440,7 @@
               <a:pPr>
                 <a:defRPr/>
               </a:pPr>
-              <a:t>Monday, February 26, 2024</a:t>
+              <a:t>Tuesday, March 18, 2025</a:t>
             </a:fld>
             <a:endParaRPr lang="en-US" dirty="0"/>
           </a:p>
@@ -8380,7 +8383,7 @@
 </file>
 
 <file path=ppt/slides/slide4.xml><?xml version="1.0" encoding="utf-8"?>
-<p:sld xmlns:a="http://schemas.openxmlformats.org/drawingml/2006/main" xmlns:r="http://schemas.openxmlformats.org/officeDocument/2006/relationships" xmlns:p="http://schemas.openxmlformats.org/presentationml/2006/main">
+<p:sld xmlns:a="http://schemas.openxmlformats.org/drawingml/2006/main" xmlns:r="http://schemas.openxmlformats.org/officeDocument/2006/relationships" xmlns:p="http://schemas.openxmlformats.org/presentationml/2006/main" show="0">
   <p:cSld>
     <p:spTree>
       <p:nvGrpSpPr>
@@ -11933,14 +11936,12 @@
 </file>
 
 <file path=customXml/item1.xml><?xml version="1.0" encoding="utf-8"?>
-<p:properties xmlns:p="http://schemas.microsoft.com/office/2006/metadata/properties" xmlns:xsi="http://www.w3.org/2001/XMLSchema-instance" xmlns:pc="http://schemas.microsoft.com/office/infopath/2007/PartnerControls">
-  <documentManagement>
-    <TaxCatchAll xmlns="820f9cb1-409d-4c4b-8197-1d4f7dd48124" xsi:nil="true"/>
-    <lcf76f155ced4ddcb4097134ff3c332f xmlns="08600313-7276-4ca7-b5d3-7d86193ee0ac">
-      <Terms xmlns="http://schemas.microsoft.com/office/infopath/2007/PartnerControls"/>
-    </lcf76f155ced4ddcb4097134ff3c332f>
-  </documentManagement>
-</p:properties>
+<?mso-contentType ?>
+<FormTemplates xmlns="http://schemas.microsoft.com/sharepoint/v3/contenttype/forms">
+  <Display>DocumentLibraryForm</Display>
+  <Edit>DocumentLibraryForm</Edit>
+  <New>DocumentLibraryForm</New>
+</FormTemplates>
 </file>
 
 <file path=customXml/item2.xml><?xml version="1.0" encoding="utf-8"?>
@@ -12121,28 +12122,20 @@
 </file>
 
 <file path=customXml/item3.xml><?xml version="1.0" encoding="utf-8"?>
-<?mso-contentType ?>
-<FormTemplates xmlns="http://schemas.microsoft.com/sharepoint/v3/contenttype/forms">
-  <Display>DocumentLibraryForm</Display>
-  <Edit>DocumentLibraryForm</Edit>
-  <New>DocumentLibraryForm</New>
-</FormTemplates>
+<p:properties xmlns:p="http://schemas.microsoft.com/office/2006/metadata/properties" xmlns:xsi="http://www.w3.org/2001/XMLSchema-instance" xmlns:pc="http://schemas.microsoft.com/office/infopath/2007/PartnerControls">
+  <documentManagement>
+    <TaxCatchAll xmlns="820f9cb1-409d-4c4b-8197-1d4f7dd48124" xsi:nil="true"/>
+    <lcf76f155ced4ddcb4097134ff3c332f xmlns="08600313-7276-4ca7-b5d3-7d86193ee0ac">
+      <Terms xmlns="http://schemas.microsoft.com/office/infopath/2007/PartnerControls"/>
+    </lcf76f155ced4ddcb4097134ff3c332f>
+  </documentManagement>
+</p:properties>
 </file>
 
 <file path=customXml/itemProps1.xml><?xml version="1.0" encoding="utf-8"?>
-<ds:datastoreItem xmlns:ds="http://schemas.openxmlformats.org/officeDocument/2006/customXml" ds:itemID="{D29398D1-4D63-4575-9A3C-07E2EFD59027}">
+<ds:datastoreItem xmlns:ds="http://schemas.openxmlformats.org/officeDocument/2006/customXml" ds:itemID="{1F91A352-1F40-4259-97AC-634C68ED9050}">
   <ds:schemaRefs>
-    <ds:schemaRef ds:uri="http://schemas.microsoft.com/office/2006/documentManagement/types"/>
-    <ds:schemaRef ds:uri="http://schemas.microsoft.com/office/infopath/2007/PartnerControls"/>
-    <ds:schemaRef ds:uri="http://schemas.microsoft.com/office/2006/metadata/properties"/>
-    <ds:schemaRef ds:uri="http://www.w3.org/XML/1998/namespace"/>
-    <ds:schemaRef ds:uri="http://purl.org/dc/terms/"/>
-    <ds:schemaRef ds:uri="http://purl.org/dc/dcmitype/"/>
-    <ds:schemaRef ds:uri="http://schemas.openxmlformats.org/package/2006/metadata/core-properties"/>
-    <ds:schemaRef ds:uri="79ddb764-415a-4c38-83b7-908be6382bea"/>
-    <ds:schemaRef ds:uri="http://purl.org/dc/elements/1.1/"/>
-    <ds:schemaRef ds:uri="820f9cb1-409d-4c4b-8197-1d4f7dd48124"/>
-    <ds:schemaRef ds:uri="08600313-7276-4ca7-b5d3-7d86193ee0ac"/>
+    <ds:schemaRef ds:uri="http://schemas.microsoft.com/sharepoint/v3/contenttype/forms"/>
   </ds:schemaRefs>
 </ds:datastoreItem>
 </file>
@@ -12167,9 +12160,19 @@
 </file>
 
 <file path=customXml/itemProps3.xml><?xml version="1.0" encoding="utf-8"?>
-<ds:datastoreItem xmlns:ds="http://schemas.openxmlformats.org/officeDocument/2006/customXml" ds:itemID="{1F91A352-1F40-4259-97AC-634C68ED9050}">
+<ds:datastoreItem xmlns:ds="http://schemas.openxmlformats.org/officeDocument/2006/customXml" ds:itemID="{D29398D1-4D63-4575-9A3C-07E2EFD59027}">
   <ds:schemaRefs>
-    <ds:schemaRef ds:uri="http://schemas.microsoft.com/sharepoint/v3/contenttype/forms"/>
+    <ds:schemaRef ds:uri="http://schemas.microsoft.com/office/2006/documentManagement/types"/>
+    <ds:schemaRef ds:uri="http://schemas.microsoft.com/office/infopath/2007/PartnerControls"/>
+    <ds:schemaRef ds:uri="http://schemas.microsoft.com/office/2006/metadata/properties"/>
+    <ds:schemaRef ds:uri="http://www.w3.org/XML/1998/namespace"/>
+    <ds:schemaRef ds:uri="http://purl.org/dc/terms/"/>
+    <ds:schemaRef ds:uri="http://purl.org/dc/dcmitype/"/>
+    <ds:schemaRef ds:uri="http://schemas.openxmlformats.org/package/2006/metadata/core-properties"/>
+    <ds:schemaRef ds:uri="79ddb764-415a-4c38-83b7-908be6382bea"/>
+    <ds:schemaRef ds:uri="http://purl.org/dc/elements/1.1/"/>
+    <ds:schemaRef ds:uri="820f9cb1-409d-4c4b-8197-1d4f7dd48124"/>
+    <ds:schemaRef ds:uri="08600313-7276-4ca7-b5d3-7d86193ee0ac"/>
   </ds:schemaRefs>
 </ds:datastoreItem>
 </file>